--- a/ppt/CSHomework.pptx
+++ b/ppt/CSHomework.pptx
@@ -3817,7 +3817,7 @@
                 <a:latin typeface="楷体" panose="02010609060101010101" pitchFamily="49" charset="-122"/>
                 <a:ea typeface="楷体" panose="02010609060101010101" pitchFamily="49" charset="-122"/>
               </a:rPr>
-              <a:t>5</a:t>
+              <a:t>11</a:t>
             </a:r>
             <a:r>
               <a:rPr lang="zh-CN" altLang="en-US" sz="2800" dirty="0" smtClean="0">
@@ -3831,7 +3831,7 @@
                 <a:latin typeface="楷体" panose="02010609060101010101" pitchFamily="49" charset="-122"/>
                 <a:ea typeface="楷体" panose="02010609060101010101" pitchFamily="49" charset="-122"/>
               </a:rPr>
-              <a:t>8</a:t>
+              <a:t>12</a:t>
             </a:r>
             <a:r>
               <a:rPr lang="zh-CN" altLang="en-US" sz="2800" dirty="0" smtClean="0">
@@ -3865,7 +3865,7 @@
                 <a:latin typeface="楷体" panose="02010609060101010101" pitchFamily="49" charset="-122"/>
                 <a:ea typeface="楷体" panose="02010609060101010101" pitchFamily="49" charset="-122"/>
               </a:rPr>
-              <a:t>5</a:t>
+              <a:t>12</a:t>
             </a:r>
             <a:r>
               <a:rPr lang="zh-CN" altLang="en-US" sz="2800" dirty="0" smtClean="0">
@@ -3879,7 +3879,7 @@
                 <a:latin typeface="楷体" panose="02010609060101010101" pitchFamily="49" charset="-122"/>
                 <a:ea typeface="楷体" panose="02010609060101010101" pitchFamily="49" charset="-122"/>
               </a:rPr>
-              <a:t>28</a:t>
+              <a:t>3</a:t>
             </a:r>
             <a:r>
               <a:rPr lang="zh-CN" altLang="en-US" sz="2800" dirty="0" smtClean="0">
@@ -4454,7 +4454,22 @@
                 <a:latin typeface="楷体" panose="02010609060101010101" pitchFamily="49" charset="-122"/>
                 <a:ea typeface="楷体" panose="02010609060101010101" pitchFamily="49" charset="-122"/>
               </a:rPr>
-              <a:t>：人脸识别的研究及其应用       </a:t>
+              <a:t>：</a:t>
+            </a:r>
+            <a:r>
+              <a:rPr lang="en-US" altLang="zh-CN" dirty="0" smtClean="0">
+                <a:latin typeface="Times New Roman" panose="02020603050405020304" pitchFamily="18" charset="0"/>
+                <a:ea typeface="楷体" panose="02010609060101010101" pitchFamily="49" charset="-122"/>
+                <a:cs typeface="Times New Roman" panose="02020603050405020304" pitchFamily="18" charset="0"/>
+              </a:rPr>
+              <a:t>Transformer</a:t>
+            </a:r>
+            <a:r>
+              <a:rPr lang="zh-CN" altLang="en-US" dirty="0" smtClean="0">
+                <a:latin typeface="楷体" panose="02010609060101010101" pitchFamily="49" charset="-122"/>
+                <a:ea typeface="楷体" panose="02010609060101010101" pitchFamily="49" charset="-122"/>
+              </a:rPr>
+              <a:t>的研究及其应用       </a:t>
             </a:r>
             <a:endParaRPr lang="en-US" altLang="zh-CN" dirty="0" smtClean="0">
               <a:latin typeface="Times New Roman" panose="02020603050405020304" pitchFamily="18" charset="0"/>
@@ -4486,7 +4501,22 @@
                 <a:latin typeface="楷体" panose="02010609060101010101" pitchFamily="49" charset="-122"/>
                 <a:ea typeface="楷体" panose="02010609060101010101" pitchFamily="49" charset="-122"/>
               </a:rPr>
-              <a:t>：图像分割的研究及其应用      </a:t>
+              <a:t>：</a:t>
+            </a:r>
+            <a:r>
+              <a:rPr lang="en-US" altLang="zh-CN" dirty="0" smtClean="0">
+                <a:latin typeface="Times New Roman" panose="02020603050405020304" pitchFamily="18" charset="0"/>
+                <a:ea typeface="楷体" panose="02010609060101010101" pitchFamily="49" charset="-122"/>
+                <a:cs typeface="Times New Roman" panose="02020603050405020304" pitchFamily="18" charset="0"/>
+              </a:rPr>
+              <a:t>LSTM</a:t>
+            </a:r>
+            <a:r>
+              <a:rPr lang="zh-CN" altLang="en-US" dirty="0" smtClean="0">
+                <a:latin typeface="楷体" panose="02010609060101010101" pitchFamily="49" charset="-122"/>
+                <a:ea typeface="楷体" panose="02010609060101010101" pitchFamily="49" charset="-122"/>
+              </a:rPr>
+              <a:t>的研究及其应用      </a:t>
             </a:r>
             <a:endParaRPr lang="en-US" altLang="zh-CN" dirty="0" smtClean="0">
               <a:latin typeface="Times New Roman" panose="02020603050405020304" pitchFamily="18" charset="0"/>
@@ -4518,7 +4548,22 @@
                 <a:latin typeface="楷体" panose="02010609060101010101" pitchFamily="49" charset="-122"/>
                 <a:ea typeface="楷体" panose="02010609060101010101" pitchFamily="49" charset="-122"/>
               </a:rPr>
-              <a:t>：物体识别的研究及其应用      </a:t>
+              <a:t>：</a:t>
+            </a:r>
+            <a:r>
+              <a:rPr lang="en-US" altLang="zh-CN" dirty="0" smtClean="0">
+                <a:latin typeface="Times New Roman" panose="02020603050405020304" pitchFamily="18" charset="0"/>
+                <a:ea typeface="楷体" panose="02010609060101010101" pitchFamily="49" charset="-122"/>
+                <a:cs typeface="Times New Roman" panose="02020603050405020304" pitchFamily="18" charset="0"/>
+              </a:rPr>
+              <a:t>GAN</a:t>
+            </a:r>
+            <a:r>
+              <a:rPr lang="zh-CN" altLang="en-US" dirty="0" smtClean="0">
+                <a:latin typeface="楷体" panose="02010609060101010101" pitchFamily="49" charset="-122"/>
+                <a:ea typeface="楷体" panose="02010609060101010101" pitchFamily="49" charset="-122"/>
+              </a:rPr>
+              <a:t>的研究及其应用      </a:t>
             </a:r>
             <a:endParaRPr lang="en-US" altLang="zh-CN" dirty="0" smtClean="0">
               <a:latin typeface="楷体" panose="02010609060101010101" pitchFamily="49" charset="-122"/>
@@ -4628,7 +4673,7 @@
                 <a:latin typeface="楷体" panose="02010609060101010101" pitchFamily="49" charset="-122"/>
                 <a:ea typeface="楷体" panose="02010609060101010101" pitchFamily="49" charset="-122"/>
               </a:rPr>
-              <a:t>40</a:t>
+              <a:t>35</a:t>
             </a:r>
             <a:r>
               <a:rPr lang="zh-CN" altLang="en-US" dirty="0" smtClean="0">
@@ -5537,30 +5582,6 @@
           <a:chExt cx="0" cy="0"/>
         </a:xfrm>
       </p:grpSpPr>
-      <p:pic>
-        <p:nvPicPr>
-          <p:cNvPr id="4" name="图片 3"/>
-          <p:cNvPicPr>
-            <a:picLocks noChangeAspect="1"/>
-          </p:cNvPicPr>
-          <p:nvPr/>
-        </p:nvPicPr>
-        <p:blipFill>
-          <a:blip r:embed="rId1"/>
-          <a:stretch>
-            <a:fillRect/>
-          </a:stretch>
-        </p:blipFill>
-        <p:spPr>
-          <a:xfrm>
-            <a:off x="1510030" y="5005070"/>
-            <a:ext cx="6103620" cy="1104900"/>
-          </a:xfrm>
-          <a:prstGeom prst="rect">
-            <a:avLst/>
-          </a:prstGeom>
-        </p:spPr>
-      </p:pic>
       <p:sp>
         <p:nvSpPr>
           <p:cNvPr id="6" name="Text Placeholder 4"/>
@@ -5786,7 +5807,7 @@
           <p:nvPr/>
         </p:nvPicPr>
         <p:blipFill>
-          <a:blip r:embed="rId2"/>
+          <a:blip r:embed="rId1"/>
           <a:stretch>
             <a:fillRect/>
           </a:stretch>
@@ -5801,6 +5822,30 @@
           </a:prstGeom>
         </p:spPr>
       </p:pic>
+      <p:pic>
+        <p:nvPicPr>
+          <p:cNvPr id="3" name="图片 2"/>
+          <p:cNvPicPr>
+            <a:picLocks noChangeAspect="1"/>
+          </p:cNvPicPr>
+          <p:nvPr/>
+        </p:nvPicPr>
+        <p:blipFill>
+          <a:blip r:embed="rId2"/>
+          <a:stretch>
+            <a:fillRect/>
+          </a:stretch>
+        </p:blipFill>
+        <p:spPr>
+          <a:xfrm>
+            <a:off x="855345" y="4771390"/>
+            <a:ext cx="6195060" cy="1325880"/>
+          </a:xfrm>
+          <a:prstGeom prst="rect">
+            <a:avLst/>
+          </a:prstGeom>
+        </p:spPr>
+      </p:pic>
       <p:sp>
         <p:nvSpPr>
           <p:cNvPr id="5" name="矩形 4"/>
@@ -5809,7 +5854,7 @@
         </p:nvSpPr>
         <p:spPr>
           <a:xfrm>
-            <a:off x="6071235" y="4990465"/>
+            <a:off x="5585460" y="4771390"/>
             <a:ext cx="568325" cy="447040"/>
           </a:xfrm>
           <a:prstGeom prst="rect">
@@ -5858,7 +5903,7 @@
         </p:nvSpPr>
         <p:spPr>
           <a:xfrm>
-            <a:off x="6936740" y="4575810"/>
+            <a:off x="6231890" y="4575810"/>
             <a:ext cx="1641475" cy="368300"/>
           </a:xfrm>
           <a:prstGeom prst="rect">
@@ -6865,22 +6910,26 @@
       </p:sp>
       <p:pic>
         <p:nvPicPr>
-          <p:cNvPr id="2" name="图片 1"/>
+          <p:cNvPr id="3" name="图片 2"/>
           <p:cNvPicPr>
             <a:picLocks noChangeAspect="1"/>
           </p:cNvPicPr>
-          <p:nvPr/>
+          <p:nvPr>
+            <p:custDataLst>
+              <p:tags r:id="rId1"/>
+            </p:custDataLst>
+          </p:nvPr>
         </p:nvPicPr>
         <p:blipFill>
-          <a:blip r:embed="rId1"/>
+          <a:blip r:embed="rId2"/>
           <a:stretch>
             <a:fillRect/>
           </a:stretch>
         </p:blipFill>
         <p:spPr>
           <a:xfrm>
-            <a:off x="3237230" y="1771015"/>
-            <a:ext cx="2315210" cy="2868295"/>
+            <a:off x="2832735" y="1321435"/>
+            <a:ext cx="2874645" cy="3674745"/>
           </a:xfrm>
           <a:prstGeom prst="rect">
             <a:avLst/>
@@ -6900,6 +6949,12 @@
     </p:tnLst>
   </p:timing>
 </p:sld>
+</file>
+
+<file path=ppt/tags/tag1.xml><?xml version="1.0" encoding="utf-8"?>
+<p:tagLst xmlns:p="http://schemas.openxmlformats.org/presentationml/2006/main">
+  <p:tag name="KSO_WM_UNIT_PLACING_PICTURE_USER_VIEWPORT" val="{&quot;height&quot;:4464,&quot;width&quot;:3492}"/>
+</p:tagLst>
 </file>
 
 <file path=ppt/theme/theme1.xml><?xml version="1.0" encoding="utf-8"?>

--- a/ppt/CSHomework.pptx
+++ b/ppt/CSHomework.pptx
@@ -4666,7 +4666,21 @@
                 <a:latin typeface="楷体" panose="02010609060101010101" pitchFamily="49" charset="-122"/>
                 <a:ea typeface="楷体" panose="02010609060101010101" pitchFamily="49" charset="-122"/>
               </a:rPr>
-              <a:t>需使用河海大学在线查重系统，总查重机会为3次，查重比例不可高于</a:t>
+              <a:t>需使用河海大学在线查重系统，总查重机会为</a:t>
+            </a:r>
+            <a:r>
+              <a:rPr lang="en-US" altLang="zh-CN" dirty="0" smtClean="0">
+                <a:latin typeface="楷体" panose="02010609060101010101" pitchFamily="49" charset="-122"/>
+                <a:ea typeface="楷体" panose="02010609060101010101" pitchFamily="49" charset="-122"/>
+              </a:rPr>
+              <a:t>2</a:t>
+            </a:r>
+            <a:r>
+              <a:rPr lang="zh-CN" altLang="en-US" dirty="0" smtClean="0">
+                <a:latin typeface="楷体" panose="02010609060101010101" pitchFamily="49" charset="-122"/>
+                <a:ea typeface="楷体" panose="02010609060101010101" pitchFamily="49" charset="-122"/>
+              </a:rPr>
+              <a:t>次，查重比例不可高于</a:t>
             </a:r>
             <a:r>
               <a:rPr lang="en-US" altLang="zh-CN" dirty="0" smtClean="0">
